--- a/images/hybrid-service-arch.pptx
+++ b/images/hybrid-service-arch.pptx
@@ -7,6 +7,7 @@
   <p:sldIdLst>
     <p:sldId id="257" r:id="rId2"/>
     <p:sldId id="258" r:id="rId3"/>
+    <p:sldId id="259" r:id="rId4"/>
   </p:sldIdLst>
   <p:sldSz cx="12192000" cy="6858000"/>
   <p:notesSz cx="6858000" cy="9144000"/>
@@ -260,7 +261,7 @@
           <a:p>
             <a:fld id="{77F244DF-51D4-2D45-8EAF-5DDB4929AE45}" type="datetimeFigureOut">
               <a:rPr lang="en-US" smtClean="0"/>
-              <a:t>6/29/21</a:t>
+              <a:t>8/9/22</a:t>
             </a:fld>
             <a:endParaRPr lang="en-US"/>
           </a:p>
@@ -458,7 +459,7 @@
           <a:p>
             <a:fld id="{77F244DF-51D4-2D45-8EAF-5DDB4929AE45}" type="datetimeFigureOut">
               <a:rPr lang="en-US" smtClean="0"/>
-              <a:t>6/29/21</a:t>
+              <a:t>8/9/22</a:t>
             </a:fld>
             <a:endParaRPr lang="en-US"/>
           </a:p>
@@ -666,7 +667,7 @@
           <a:p>
             <a:fld id="{77F244DF-51D4-2D45-8EAF-5DDB4929AE45}" type="datetimeFigureOut">
               <a:rPr lang="en-US" smtClean="0"/>
-              <a:t>6/29/21</a:t>
+              <a:t>8/9/22</a:t>
             </a:fld>
             <a:endParaRPr lang="en-US"/>
           </a:p>
@@ -864,7 +865,7 @@
           <a:p>
             <a:fld id="{77F244DF-51D4-2D45-8EAF-5DDB4929AE45}" type="datetimeFigureOut">
               <a:rPr lang="en-US" smtClean="0"/>
-              <a:t>6/29/21</a:t>
+              <a:t>8/9/22</a:t>
             </a:fld>
             <a:endParaRPr lang="en-US"/>
           </a:p>
@@ -1139,7 +1140,7 @@
           <a:p>
             <a:fld id="{77F244DF-51D4-2D45-8EAF-5DDB4929AE45}" type="datetimeFigureOut">
               <a:rPr lang="en-US" smtClean="0"/>
-              <a:t>6/29/21</a:t>
+              <a:t>8/9/22</a:t>
             </a:fld>
             <a:endParaRPr lang="en-US"/>
           </a:p>
@@ -1404,7 +1405,7 @@
           <a:p>
             <a:fld id="{77F244DF-51D4-2D45-8EAF-5DDB4929AE45}" type="datetimeFigureOut">
               <a:rPr lang="en-US" smtClean="0"/>
-              <a:t>6/29/21</a:t>
+              <a:t>8/9/22</a:t>
             </a:fld>
             <a:endParaRPr lang="en-US"/>
           </a:p>
@@ -1816,7 +1817,7 @@
           <a:p>
             <a:fld id="{77F244DF-51D4-2D45-8EAF-5DDB4929AE45}" type="datetimeFigureOut">
               <a:rPr lang="en-US" smtClean="0"/>
-              <a:t>6/29/21</a:t>
+              <a:t>8/9/22</a:t>
             </a:fld>
             <a:endParaRPr lang="en-US"/>
           </a:p>
@@ -1957,7 +1958,7 @@
           <a:p>
             <a:fld id="{77F244DF-51D4-2D45-8EAF-5DDB4929AE45}" type="datetimeFigureOut">
               <a:rPr lang="en-US" smtClean="0"/>
-              <a:t>6/29/21</a:t>
+              <a:t>8/9/22</a:t>
             </a:fld>
             <a:endParaRPr lang="en-US"/>
           </a:p>
@@ -2070,7 +2071,7 @@
           <a:p>
             <a:fld id="{77F244DF-51D4-2D45-8EAF-5DDB4929AE45}" type="datetimeFigureOut">
               <a:rPr lang="en-US" smtClean="0"/>
-              <a:t>6/29/21</a:t>
+              <a:t>8/9/22</a:t>
             </a:fld>
             <a:endParaRPr lang="en-US"/>
           </a:p>
@@ -2381,7 +2382,7 @@
           <a:p>
             <a:fld id="{77F244DF-51D4-2D45-8EAF-5DDB4929AE45}" type="datetimeFigureOut">
               <a:rPr lang="en-US" smtClean="0"/>
-              <a:t>6/29/21</a:t>
+              <a:t>8/9/22</a:t>
             </a:fld>
             <a:endParaRPr lang="en-US"/>
           </a:p>
@@ -2669,7 +2670,7 @@
           <a:p>
             <a:fld id="{77F244DF-51D4-2D45-8EAF-5DDB4929AE45}" type="datetimeFigureOut">
               <a:rPr lang="en-US" smtClean="0"/>
-              <a:t>6/29/21</a:t>
+              <a:t>8/9/22</a:t>
             </a:fld>
             <a:endParaRPr lang="en-US"/>
           </a:p>
@@ -2910,7 +2911,7 @@
           <a:p>
             <a:fld id="{77F244DF-51D4-2D45-8EAF-5DDB4929AE45}" type="datetimeFigureOut">
               <a:rPr lang="en-US" smtClean="0"/>
-              <a:t>6/29/21</a:t>
+              <a:t>8/9/22</a:t>
             </a:fld>
             <a:endParaRPr lang="en-US"/>
           </a:p>
@@ -4907,6 +4908,1575 @@
 </p:sld>
 </file>
 
+<file path=ppt/slides/slide3.xml><?xml version="1.0" encoding="utf-8"?>
+<p:sld xmlns:a="http://schemas.openxmlformats.org/drawingml/2006/main" xmlns:r="http://schemas.openxmlformats.org/officeDocument/2006/relationships" xmlns:p="http://schemas.openxmlformats.org/presentationml/2006/main">
+  <p:cSld>
+    <p:spTree>
+      <p:nvGrpSpPr>
+        <p:cNvPr id="1" name=""/>
+        <p:cNvGrpSpPr/>
+        <p:nvPr/>
+      </p:nvGrpSpPr>
+      <p:grpSpPr>
+        <a:xfrm>
+          <a:off x="0" y="0"/>
+          <a:ext cx="0" cy="0"/>
+          <a:chOff x="0" y="0"/>
+          <a:chExt cx="0" cy="0"/>
+        </a:xfrm>
+      </p:grpSpPr>
+      <p:sp>
+        <p:nvSpPr>
+          <p:cNvPr id="2" name="Rounded Rectangle 1">
+            <a:extLst>
+              <a:ext uri="{FF2B5EF4-FFF2-40B4-BE49-F238E27FC236}">
+                <a16:creationId xmlns:a16="http://schemas.microsoft.com/office/drawing/2014/main" id="{2FA4440F-3656-4645-A4F9-76151FD23D95}"/>
+              </a:ext>
+            </a:extLst>
+          </p:cNvPr>
+          <p:cNvSpPr/>
+          <p:nvPr/>
+        </p:nvSpPr>
+        <p:spPr>
+          <a:xfrm>
+            <a:off x="4570257" y="5117606"/>
+            <a:ext cx="2727332" cy="1363579"/>
+          </a:xfrm>
+          <a:prstGeom prst="roundRect">
+            <a:avLst/>
+          </a:prstGeom>
+          <a:solidFill>
+            <a:schemeClr val="accent5">
+              <a:lumMod val="20000"/>
+              <a:lumOff val="80000"/>
+            </a:schemeClr>
+          </a:solidFill>
+          <a:effectLst>
+            <a:outerShdw blurRad="50800" dist="38100" dir="2700000" algn="tl" rotWithShape="0">
+              <a:prstClr val="black">
+                <a:alpha val="40000"/>
+              </a:prstClr>
+            </a:outerShdw>
+          </a:effectLst>
+        </p:spPr>
+        <p:style>
+          <a:lnRef idx="2">
+            <a:schemeClr val="accent1">
+              <a:shade val="50000"/>
+            </a:schemeClr>
+          </a:lnRef>
+          <a:fillRef idx="1">
+            <a:schemeClr val="accent1"/>
+          </a:fillRef>
+          <a:effectRef idx="0">
+            <a:schemeClr val="accent1"/>
+          </a:effectRef>
+          <a:fontRef idx="minor">
+            <a:schemeClr val="lt1"/>
+          </a:fontRef>
+        </p:style>
+        <p:txBody>
+          <a:bodyPr rtlCol="0" anchor="t" anchorCtr="0"/>
+          <a:lstStyle/>
+          <a:p>
+            <a:pPr algn="ctr"/>
+            <a:r>
+              <a:rPr lang="en-US" dirty="0">
+                <a:solidFill>
+                  <a:schemeClr val="tx1"/>
+                </a:solidFill>
+              </a:rPr>
+              <a:t>University Clusters</a:t>
+            </a:r>
+          </a:p>
+        </p:txBody>
+      </p:sp>
+      <p:sp>
+        <p:nvSpPr>
+          <p:cNvPr id="3" name="Rounded Rectangle 2">
+            <a:extLst>
+              <a:ext uri="{FF2B5EF4-FFF2-40B4-BE49-F238E27FC236}">
+                <a16:creationId xmlns:a16="http://schemas.microsoft.com/office/drawing/2014/main" id="{F77087D6-A7FA-7641-89D4-B6B4EDD1B49C}"/>
+              </a:ext>
+            </a:extLst>
+          </p:cNvPr>
+          <p:cNvSpPr/>
+          <p:nvPr/>
+        </p:nvSpPr>
+        <p:spPr>
+          <a:xfrm>
+            <a:off x="7554438" y="5117606"/>
+            <a:ext cx="2727333" cy="1363579"/>
+          </a:xfrm>
+          <a:prstGeom prst="roundRect">
+            <a:avLst/>
+          </a:prstGeom>
+          <a:solidFill>
+            <a:schemeClr val="accent5">
+              <a:lumMod val="20000"/>
+              <a:lumOff val="80000"/>
+            </a:schemeClr>
+          </a:solidFill>
+          <a:effectLst>
+            <a:outerShdw blurRad="50800" dist="38100" dir="2700000" algn="tl" rotWithShape="0">
+              <a:prstClr val="black">
+                <a:alpha val="40000"/>
+              </a:prstClr>
+            </a:outerShdw>
+          </a:effectLst>
+        </p:spPr>
+        <p:style>
+          <a:lnRef idx="2">
+            <a:schemeClr val="accent1">
+              <a:shade val="50000"/>
+            </a:schemeClr>
+          </a:lnRef>
+          <a:fillRef idx="1">
+            <a:schemeClr val="accent1"/>
+          </a:fillRef>
+          <a:effectRef idx="0">
+            <a:schemeClr val="accent1"/>
+          </a:effectRef>
+          <a:fontRef idx="minor">
+            <a:schemeClr val="lt1"/>
+          </a:fontRef>
+        </p:style>
+        <p:txBody>
+          <a:bodyPr rtlCol="0" anchor="t" anchorCtr="0"/>
+          <a:lstStyle/>
+          <a:p>
+            <a:pPr algn="ctr"/>
+            <a:r>
+              <a:rPr lang="en-US" dirty="0">
+                <a:solidFill>
+                  <a:schemeClr val="tx1"/>
+                </a:solidFill>
+              </a:rPr>
+              <a:t>Google</a:t>
+            </a:r>
+          </a:p>
+        </p:txBody>
+      </p:sp>
+      <p:sp>
+        <p:nvSpPr>
+          <p:cNvPr id="4" name="Rounded Rectangle 3">
+            <a:extLst>
+              <a:ext uri="{FF2B5EF4-FFF2-40B4-BE49-F238E27FC236}">
+                <a16:creationId xmlns:a16="http://schemas.microsoft.com/office/drawing/2014/main" id="{FDB3698C-461E-5A48-BCC0-C4C61CD213A9}"/>
+              </a:ext>
+            </a:extLst>
+          </p:cNvPr>
+          <p:cNvSpPr/>
+          <p:nvPr/>
+        </p:nvSpPr>
+        <p:spPr>
+          <a:xfrm>
+            <a:off x="1586250" y="5109583"/>
+            <a:ext cx="2727333" cy="1363579"/>
+          </a:xfrm>
+          <a:prstGeom prst="roundRect">
+            <a:avLst/>
+          </a:prstGeom>
+          <a:solidFill>
+            <a:schemeClr val="accent5">
+              <a:lumMod val="20000"/>
+              <a:lumOff val="80000"/>
+            </a:schemeClr>
+          </a:solidFill>
+          <a:effectLst>
+            <a:outerShdw blurRad="50800" dist="38100" dir="2700000" algn="tl" rotWithShape="0">
+              <a:prstClr val="black">
+                <a:alpha val="40000"/>
+              </a:prstClr>
+            </a:outerShdw>
+          </a:effectLst>
+        </p:spPr>
+        <p:style>
+          <a:lnRef idx="2">
+            <a:schemeClr val="accent1">
+              <a:shade val="50000"/>
+            </a:schemeClr>
+          </a:lnRef>
+          <a:fillRef idx="1">
+            <a:schemeClr val="accent1"/>
+          </a:fillRef>
+          <a:effectRef idx="0">
+            <a:schemeClr val="accent1"/>
+          </a:effectRef>
+          <a:fontRef idx="minor">
+            <a:schemeClr val="lt1"/>
+          </a:fontRef>
+        </p:style>
+        <p:txBody>
+          <a:bodyPr rtlCol="0" anchor="t" anchorCtr="0"/>
+          <a:lstStyle/>
+          <a:p>
+            <a:pPr algn="ctr"/>
+            <a:r>
+              <a:rPr lang="en-US" dirty="0">
+                <a:solidFill>
+                  <a:schemeClr val="tx1"/>
+                </a:solidFill>
+              </a:rPr>
+              <a:t>LCCF (Summit)</a:t>
+            </a:r>
+          </a:p>
+        </p:txBody>
+      </p:sp>
+      <p:sp>
+        <p:nvSpPr>
+          <p:cNvPr id="5" name="Rounded Rectangle 4">
+            <a:extLst>
+              <a:ext uri="{FF2B5EF4-FFF2-40B4-BE49-F238E27FC236}">
+                <a16:creationId xmlns:a16="http://schemas.microsoft.com/office/drawing/2014/main" id="{B02EE35E-03BE-CB48-B553-E7DBAE9E188E}"/>
+              </a:ext>
+            </a:extLst>
+          </p:cNvPr>
+          <p:cNvSpPr/>
+          <p:nvPr/>
+        </p:nvSpPr>
+        <p:spPr>
+          <a:xfrm>
+            <a:off x="1586249" y="4151069"/>
+            <a:ext cx="8695522" cy="629651"/>
+          </a:xfrm>
+          <a:prstGeom prst="roundRect">
+            <a:avLst/>
+          </a:prstGeom>
+          <a:solidFill>
+            <a:schemeClr val="accent4">
+              <a:lumMod val="20000"/>
+              <a:lumOff val="80000"/>
+            </a:schemeClr>
+          </a:solidFill>
+          <a:effectLst>
+            <a:outerShdw blurRad="50800" dist="38100" dir="2700000" algn="tl" rotWithShape="0">
+              <a:prstClr val="black">
+                <a:alpha val="40000"/>
+              </a:prstClr>
+            </a:outerShdw>
+          </a:effectLst>
+        </p:spPr>
+        <p:style>
+          <a:lnRef idx="2">
+            <a:schemeClr val="accent1">
+              <a:shade val="50000"/>
+            </a:schemeClr>
+          </a:lnRef>
+          <a:fillRef idx="1">
+            <a:schemeClr val="accent1"/>
+          </a:fillRef>
+          <a:effectRef idx="0">
+            <a:schemeClr val="accent1"/>
+          </a:effectRef>
+          <a:fontRef idx="minor">
+            <a:schemeClr val="lt1"/>
+          </a:fontRef>
+        </p:style>
+        <p:txBody>
+          <a:bodyPr rtlCol="0" anchor="ctr"/>
+          <a:lstStyle/>
+          <a:p>
+            <a:pPr algn="ctr"/>
+            <a:r>
+              <a:rPr lang="en-US" dirty="0">
+                <a:solidFill>
+                  <a:schemeClr val="tx1"/>
+                </a:solidFill>
+              </a:rPr>
+              <a:t>Vender Neutral Service Interoperability Layer</a:t>
+            </a:r>
+          </a:p>
+        </p:txBody>
+      </p:sp>
+      <p:sp>
+        <p:nvSpPr>
+          <p:cNvPr id="6" name="Rounded Rectangle 5">
+            <a:extLst>
+              <a:ext uri="{FF2B5EF4-FFF2-40B4-BE49-F238E27FC236}">
+                <a16:creationId xmlns:a16="http://schemas.microsoft.com/office/drawing/2014/main" id="{86827D49-8EAF-064A-8726-783280ECCB64}"/>
+              </a:ext>
+            </a:extLst>
+          </p:cNvPr>
+          <p:cNvSpPr/>
+          <p:nvPr/>
+        </p:nvSpPr>
+        <p:spPr>
+          <a:xfrm>
+            <a:off x="2273362" y="5638583"/>
+            <a:ext cx="1451811" cy="653718"/>
+          </a:xfrm>
+          <a:prstGeom prst="roundRect">
+            <a:avLst/>
+          </a:prstGeom>
+          <a:solidFill>
+            <a:schemeClr val="accent6">
+              <a:lumMod val="20000"/>
+              <a:lumOff val="80000"/>
+            </a:schemeClr>
+          </a:solidFill>
+          <a:effectLst>
+            <a:outerShdw blurRad="50800" dist="38100" dir="2700000" algn="tl" rotWithShape="0">
+              <a:prstClr val="black">
+                <a:alpha val="40000"/>
+              </a:prstClr>
+            </a:outerShdw>
+          </a:effectLst>
+        </p:spPr>
+        <p:style>
+          <a:lnRef idx="2">
+            <a:schemeClr val="accent1">
+              <a:shade val="50000"/>
+            </a:schemeClr>
+          </a:lnRef>
+          <a:fillRef idx="1">
+            <a:schemeClr val="accent1"/>
+          </a:fillRef>
+          <a:effectRef idx="0">
+            <a:schemeClr val="accent1"/>
+          </a:effectRef>
+          <a:fontRef idx="minor">
+            <a:schemeClr val="lt1"/>
+          </a:fontRef>
+        </p:style>
+        <p:txBody>
+          <a:bodyPr rtlCol="0" anchor="ctr"/>
+          <a:lstStyle/>
+          <a:p>
+            <a:pPr algn="ctr"/>
+            <a:r>
+              <a:rPr lang="en-US" dirty="0">
+                <a:solidFill>
+                  <a:schemeClr val="tx1"/>
+                </a:solidFill>
+              </a:rPr>
+              <a:t>Batch</a:t>
+            </a:r>
+          </a:p>
+        </p:txBody>
+      </p:sp>
+      <p:sp>
+        <p:nvSpPr>
+          <p:cNvPr id="7" name="Rounded Rectangle 6">
+            <a:extLst>
+              <a:ext uri="{FF2B5EF4-FFF2-40B4-BE49-F238E27FC236}">
+                <a16:creationId xmlns:a16="http://schemas.microsoft.com/office/drawing/2014/main" id="{8F7BE091-D7D3-4A40-86F2-9652F1C36CE0}"/>
+              </a:ext>
+            </a:extLst>
+          </p:cNvPr>
+          <p:cNvSpPr/>
+          <p:nvPr/>
+        </p:nvSpPr>
+        <p:spPr>
+          <a:xfrm>
+            <a:off x="5208105" y="5638583"/>
+            <a:ext cx="1451811" cy="653718"/>
+          </a:xfrm>
+          <a:prstGeom prst="roundRect">
+            <a:avLst/>
+          </a:prstGeom>
+          <a:solidFill>
+            <a:schemeClr val="accent6">
+              <a:lumMod val="20000"/>
+              <a:lumOff val="80000"/>
+            </a:schemeClr>
+          </a:solidFill>
+          <a:effectLst>
+            <a:outerShdw blurRad="50800" dist="38100" dir="2700000" algn="tl" rotWithShape="0">
+              <a:prstClr val="black">
+                <a:alpha val="40000"/>
+              </a:prstClr>
+            </a:outerShdw>
+          </a:effectLst>
+        </p:spPr>
+        <p:style>
+          <a:lnRef idx="2">
+            <a:schemeClr val="accent1">
+              <a:shade val="50000"/>
+            </a:schemeClr>
+          </a:lnRef>
+          <a:fillRef idx="1">
+            <a:schemeClr val="accent1"/>
+          </a:fillRef>
+          <a:effectRef idx="0">
+            <a:schemeClr val="accent1"/>
+          </a:effectRef>
+          <a:fontRef idx="minor">
+            <a:schemeClr val="lt1"/>
+          </a:fontRef>
+        </p:style>
+        <p:txBody>
+          <a:bodyPr rtlCol="0" anchor="ctr"/>
+          <a:lstStyle/>
+          <a:p>
+            <a:pPr algn="ctr"/>
+            <a:r>
+              <a:rPr lang="en-US" dirty="0">
+                <a:solidFill>
+                  <a:schemeClr val="tx1"/>
+                </a:solidFill>
+              </a:rPr>
+              <a:t>Batch and Jupyter</a:t>
+            </a:r>
+          </a:p>
+        </p:txBody>
+      </p:sp>
+      <p:sp>
+        <p:nvSpPr>
+          <p:cNvPr id="8" name="Rounded Rectangle 7">
+            <a:extLst>
+              <a:ext uri="{FF2B5EF4-FFF2-40B4-BE49-F238E27FC236}">
+                <a16:creationId xmlns:a16="http://schemas.microsoft.com/office/drawing/2014/main" id="{90940B2A-103F-DC44-BD0A-DA0FBD717C61}"/>
+              </a:ext>
+            </a:extLst>
+          </p:cNvPr>
+          <p:cNvSpPr/>
+          <p:nvPr/>
+        </p:nvSpPr>
+        <p:spPr>
+          <a:xfrm>
+            <a:off x="8192198" y="5642982"/>
+            <a:ext cx="1451811" cy="653718"/>
+          </a:xfrm>
+          <a:prstGeom prst="roundRect">
+            <a:avLst/>
+          </a:prstGeom>
+          <a:solidFill>
+            <a:schemeClr val="accent6">
+              <a:lumMod val="20000"/>
+              <a:lumOff val="80000"/>
+            </a:schemeClr>
+          </a:solidFill>
+          <a:effectLst>
+            <a:outerShdw blurRad="50800" dist="38100" dir="2700000" algn="tl" rotWithShape="0">
+              <a:prstClr val="black">
+                <a:alpha val="40000"/>
+              </a:prstClr>
+            </a:outerShdw>
+          </a:effectLst>
+        </p:spPr>
+        <p:style>
+          <a:lnRef idx="2">
+            <a:schemeClr val="accent1">
+              <a:shade val="50000"/>
+            </a:schemeClr>
+          </a:lnRef>
+          <a:fillRef idx="1">
+            <a:schemeClr val="accent1"/>
+          </a:fillRef>
+          <a:effectRef idx="0">
+            <a:schemeClr val="accent1"/>
+          </a:effectRef>
+          <a:fontRef idx="minor">
+            <a:schemeClr val="lt1"/>
+          </a:fontRef>
+        </p:style>
+        <p:txBody>
+          <a:bodyPr rtlCol="0" anchor="ctr"/>
+          <a:lstStyle/>
+          <a:p>
+            <a:pPr algn="ctr"/>
+            <a:r>
+              <a:rPr lang="en-US" dirty="0" err="1">
+                <a:solidFill>
+                  <a:schemeClr val="tx1"/>
+                </a:solidFill>
+              </a:rPr>
+              <a:t>Colab</a:t>
+            </a:r>
+            <a:endParaRPr lang="en-US" dirty="0">
+              <a:solidFill>
+                <a:schemeClr val="tx1"/>
+              </a:solidFill>
+            </a:endParaRPr>
+          </a:p>
+        </p:txBody>
+      </p:sp>
+      <p:sp>
+        <p:nvSpPr>
+          <p:cNvPr id="9" name="Rounded Rectangle 8">
+            <a:extLst>
+              <a:ext uri="{FF2B5EF4-FFF2-40B4-BE49-F238E27FC236}">
+                <a16:creationId xmlns:a16="http://schemas.microsoft.com/office/drawing/2014/main" id="{0A58104F-8F5C-8B43-8643-E7A29F2A5075}"/>
+              </a:ext>
+            </a:extLst>
+          </p:cNvPr>
+          <p:cNvSpPr/>
+          <p:nvPr/>
+        </p:nvSpPr>
+        <p:spPr>
+          <a:xfrm>
+            <a:off x="1586249" y="2940392"/>
+            <a:ext cx="1592249" cy="956508"/>
+          </a:xfrm>
+          <a:prstGeom prst="roundRect">
+            <a:avLst/>
+          </a:prstGeom>
+          <a:solidFill>
+            <a:schemeClr val="accent3">
+              <a:lumMod val="20000"/>
+              <a:lumOff val="80000"/>
+            </a:schemeClr>
+          </a:solidFill>
+          <a:effectLst>
+            <a:outerShdw blurRad="50800" dist="38100" dir="2700000" algn="tl" rotWithShape="0">
+              <a:prstClr val="black">
+                <a:alpha val="40000"/>
+              </a:prstClr>
+            </a:outerShdw>
+          </a:effectLst>
+        </p:spPr>
+        <p:style>
+          <a:lnRef idx="2">
+            <a:schemeClr val="accent1">
+              <a:shade val="50000"/>
+            </a:schemeClr>
+          </a:lnRef>
+          <a:fillRef idx="1">
+            <a:schemeClr val="accent1"/>
+          </a:fillRef>
+          <a:effectRef idx="0">
+            <a:schemeClr val="accent1"/>
+          </a:effectRef>
+          <a:fontRef idx="minor">
+            <a:schemeClr val="lt1"/>
+          </a:fontRef>
+        </p:style>
+        <p:txBody>
+          <a:bodyPr rtlCol="0" anchor="ctr"/>
+          <a:lstStyle/>
+          <a:p>
+            <a:pPr algn="ctr"/>
+            <a:r>
+              <a:rPr lang="en-US" dirty="0">
+                <a:solidFill>
+                  <a:schemeClr val="tx1"/>
+                </a:solidFill>
+              </a:rPr>
+              <a:t>Model Cooperation </a:t>
+            </a:r>
+          </a:p>
+          <a:p>
+            <a:pPr algn="ctr"/>
+            <a:r>
+              <a:rPr lang="en-US" dirty="0">
+                <a:solidFill>
+                  <a:schemeClr val="tx1"/>
+                </a:solidFill>
+              </a:rPr>
+              <a:t>Service</a:t>
+            </a:r>
+          </a:p>
+        </p:txBody>
+      </p:sp>
+      <p:sp>
+        <p:nvSpPr>
+          <p:cNvPr id="11" name="Rounded Rectangle 10">
+            <a:extLst>
+              <a:ext uri="{FF2B5EF4-FFF2-40B4-BE49-F238E27FC236}">
+                <a16:creationId xmlns:a16="http://schemas.microsoft.com/office/drawing/2014/main" id="{C328FBAA-4890-D94A-8D23-BB07844D376E}"/>
+              </a:ext>
+            </a:extLst>
+          </p:cNvPr>
+          <p:cNvSpPr/>
+          <p:nvPr/>
+        </p:nvSpPr>
+        <p:spPr>
+          <a:xfrm>
+            <a:off x="3342841" y="2957941"/>
+            <a:ext cx="1592250" cy="956508"/>
+          </a:xfrm>
+          <a:prstGeom prst="roundRect">
+            <a:avLst/>
+          </a:prstGeom>
+          <a:solidFill>
+            <a:schemeClr val="accent3">
+              <a:lumMod val="20000"/>
+              <a:lumOff val="80000"/>
+            </a:schemeClr>
+          </a:solidFill>
+          <a:effectLst>
+            <a:outerShdw blurRad="50800" dist="38100" dir="2700000" algn="tl" rotWithShape="0">
+              <a:prstClr val="black">
+                <a:alpha val="40000"/>
+              </a:prstClr>
+            </a:outerShdw>
+          </a:effectLst>
+        </p:spPr>
+        <p:style>
+          <a:lnRef idx="2">
+            <a:schemeClr val="accent1">
+              <a:shade val="50000"/>
+            </a:schemeClr>
+          </a:lnRef>
+          <a:fillRef idx="1">
+            <a:schemeClr val="accent1"/>
+          </a:fillRef>
+          <a:effectRef idx="0">
+            <a:schemeClr val="accent1"/>
+          </a:effectRef>
+          <a:fontRef idx="minor">
+            <a:schemeClr val="lt1"/>
+          </a:fontRef>
+        </p:style>
+        <p:txBody>
+          <a:bodyPr rtlCol="0" anchor="ctr"/>
+          <a:lstStyle/>
+          <a:p>
+            <a:pPr algn="ctr"/>
+            <a:r>
+              <a:rPr lang="en-US" dirty="0">
+                <a:solidFill>
+                  <a:schemeClr val="tx1"/>
+                </a:solidFill>
+              </a:rPr>
+              <a:t>Model</a:t>
+            </a:r>
+          </a:p>
+          <a:p>
+            <a:pPr algn="ctr"/>
+            <a:r>
+              <a:rPr lang="en-US" dirty="0">
+                <a:solidFill>
+                  <a:schemeClr val="tx1"/>
+                </a:solidFill>
+              </a:rPr>
+              <a:t>Competition </a:t>
+            </a:r>
+          </a:p>
+          <a:p>
+            <a:pPr algn="ctr"/>
+            <a:r>
+              <a:rPr lang="en-US" dirty="0">
+                <a:solidFill>
+                  <a:schemeClr val="tx1"/>
+                </a:solidFill>
+              </a:rPr>
+              <a:t>Service</a:t>
+            </a:r>
+          </a:p>
+        </p:txBody>
+      </p:sp>
+      <p:sp>
+        <p:nvSpPr>
+          <p:cNvPr id="12" name="Rounded Rectangle 11">
+            <a:extLst>
+              <a:ext uri="{FF2B5EF4-FFF2-40B4-BE49-F238E27FC236}">
+                <a16:creationId xmlns:a16="http://schemas.microsoft.com/office/drawing/2014/main" id="{B6BCDF53-7281-EA42-885C-A2E9B12BE861}"/>
+              </a:ext>
+            </a:extLst>
+          </p:cNvPr>
+          <p:cNvSpPr/>
+          <p:nvPr/>
+        </p:nvSpPr>
+        <p:spPr>
+          <a:xfrm>
+            <a:off x="5099434" y="2965441"/>
+            <a:ext cx="1592250" cy="956508"/>
+          </a:xfrm>
+          <a:prstGeom prst="roundRect">
+            <a:avLst/>
+          </a:prstGeom>
+          <a:solidFill>
+            <a:schemeClr val="accent3">
+              <a:lumMod val="20000"/>
+              <a:lumOff val="80000"/>
+            </a:schemeClr>
+          </a:solidFill>
+          <a:effectLst>
+            <a:outerShdw blurRad="50800" dist="38100" dir="2700000" algn="tl" rotWithShape="0">
+              <a:prstClr val="black">
+                <a:alpha val="40000"/>
+              </a:prstClr>
+            </a:outerShdw>
+          </a:effectLst>
+        </p:spPr>
+        <p:style>
+          <a:lnRef idx="2">
+            <a:schemeClr val="accent1">
+              <a:shade val="50000"/>
+            </a:schemeClr>
+          </a:lnRef>
+          <a:fillRef idx="1">
+            <a:schemeClr val="accent1"/>
+          </a:fillRef>
+          <a:effectRef idx="0">
+            <a:schemeClr val="accent1"/>
+          </a:effectRef>
+          <a:fontRef idx="minor">
+            <a:schemeClr val="lt1"/>
+          </a:fontRef>
+        </p:style>
+        <p:txBody>
+          <a:bodyPr rtlCol="0" anchor="ctr"/>
+          <a:lstStyle/>
+          <a:p>
+            <a:pPr algn="ctr"/>
+            <a:r>
+              <a:rPr lang="en-US" dirty="0">
+                <a:solidFill>
+                  <a:schemeClr val="tx1"/>
+                </a:solidFill>
+              </a:rPr>
+              <a:t>Model Registry</a:t>
+            </a:r>
+          </a:p>
+          <a:p>
+            <a:pPr algn="ctr"/>
+            <a:r>
+              <a:rPr lang="en-US" dirty="0">
+                <a:solidFill>
+                  <a:schemeClr val="tx1"/>
+                </a:solidFill>
+              </a:rPr>
+              <a:t>Service</a:t>
+            </a:r>
+          </a:p>
+        </p:txBody>
+      </p:sp>
+      <p:sp>
+        <p:nvSpPr>
+          <p:cNvPr id="13" name="Rounded Rectangle 12">
+            <a:extLst>
+              <a:ext uri="{FF2B5EF4-FFF2-40B4-BE49-F238E27FC236}">
+                <a16:creationId xmlns:a16="http://schemas.microsoft.com/office/drawing/2014/main" id="{50574158-C8FA-7C49-8594-09B6AB594471}"/>
+              </a:ext>
+            </a:extLst>
+          </p:cNvPr>
+          <p:cNvSpPr/>
+          <p:nvPr/>
+        </p:nvSpPr>
+        <p:spPr>
+          <a:xfrm rot="16200000">
+            <a:off x="-1692354" y="3451232"/>
+            <a:ext cx="5578640" cy="465219"/>
+          </a:xfrm>
+          <a:prstGeom prst="roundRect">
+            <a:avLst/>
+          </a:prstGeom>
+          <a:solidFill>
+            <a:schemeClr val="accent6">
+              <a:lumMod val="20000"/>
+              <a:lumOff val="80000"/>
+            </a:schemeClr>
+          </a:solidFill>
+          <a:effectLst>
+            <a:outerShdw blurRad="50800" dist="38100" dir="2700000" algn="tl" rotWithShape="0">
+              <a:prstClr val="black">
+                <a:alpha val="40000"/>
+              </a:prstClr>
+            </a:outerShdw>
+          </a:effectLst>
+        </p:spPr>
+        <p:style>
+          <a:lnRef idx="2">
+            <a:schemeClr val="accent1">
+              <a:shade val="50000"/>
+            </a:schemeClr>
+          </a:lnRef>
+          <a:fillRef idx="1">
+            <a:schemeClr val="accent1"/>
+          </a:fillRef>
+          <a:effectRef idx="0">
+            <a:schemeClr val="accent1"/>
+          </a:effectRef>
+          <a:fontRef idx="minor">
+            <a:schemeClr val="lt1"/>
+          </a:fontRef>
+        </p:style>
+        <p:txBody>
+          <a:bodyPr rtlCol="0" anchor="ctr"/>
+          <a:lstStyle/>
+          <a:p>
+            <a:pPr algn="ctr"/>
+            <a:r>
+              <a:rPr lang="en-US" dirty="0">
+                <a:solidFill>
+                  <a:schemeClr val="tx1"/>
+                </a:solidFill>
+              </a:rPr>
+              <a:t>Orchestrator (Workflow and Coordination)</a:t>
+            </a:r>
+          </a:p>
+        </p:txBody>
+      </p:sp>
+      <p:sp>
+        <p:nvSpPr>
+          <p:cNvPr id="14" name="Rounded Rectangle 13">
+            <a:extLst>
+              <a:ext uri="{FF2B5EF4-FFF2-40B4-BE49-F238E27FC236}">
+                <a16:creationId xmlns:a16="http://schemas.microsoft.com/office/drawing/2014/main" id="{573E4F1C-79E3-0D40-833A-DB19B21662D7}"/>
+              </a:ext>
+            </a:extLst>
+          </p:cNvPr>
+          <p:cNvSpPr/>
+          <p:nvPr/>
+        </p:nvSpPr>
+        <p:spPr>
+          <a:xfrm>
+            <a:off x="1586249" y="2071608"/>
+            <a:ext cx="8618621" cy="629651"/>
+          </a:xfrm>
+          <a:prstGeom prst="roundRect">
+            <a:avLst/>
+          </a:prstGeom>
+          <a:solidFill>
+            <a:schemeClr val="accent4">
+              <a:lumMod val="20000"/>
+              <a:lumOff val="80000"/>
+            </a:schemeClr>
+          </a:solidFill>
+          <a:effectLst>
+            <a:outerShdw blurRad="50800" dist="38100" dir="2700000" algn="tl" rotWithShape="0">
+              <a:prstClr val="black">
+                <a:alpha val="40000"/>
+              </a:prstClr>
+            </a:outerShdw>
+          </a:effectLst>
+        </p:spPr>
+        <p:style>
+          <a:lnRef idx="2">
+            <a:schemeClr val="accent1">
+              <a:shade val="50000"/>
+            </a:schemeClr>
+          </a:lnRef>
+          <a:fillRef idx="1">
+            <a:schemeClr val="accent1"/>
+          </a:fillRef>
+          <a:effectRef idx="0">
+            <a:schemeClr val="accent1"/>
+          </a:effectRef>
+          <a:fontRef idx="minor">
+            <a:schemeClr val="lt1"/>
+          </a:fontRef>
+        </p:style>
+        <p:txBody>
+          <a:bodyPr rtlCol="0" anchor="ctr"/>
+          <a:lstStyle/>
+          <a:p>
+            <a:pPr algn="ctr"/>
+            <a:r>
+              <a:rPr lang="en-US" dirty="0">
+                <a:solidFill>
+                  <a:schemeClr val="tx1"/>
+                </a:solidFill>
+              </a:rPr>
+              <a:t>Vender Neutral Access Interface</a:t>
+            </a:r>
+          </a:p>
+        </p:txBody>
+      </p:sp>
+      <p:sp>
+        <p:nvSpPr>
+          <p:cNvPr id="15" name="Rounded Rectangle 14">
+            <a:extLst>
+              <a:ext uri="{FF2B5EF4-FFF2-40B4-BE49-F238E27FC236}">
+                <a16:creationId xmlns:a16="http://schemas.microsoft.com/office/drawing/2014/main" id="{8C1C1AA4-7451-654E-9AED-BBC332BDCA43}"/>
+              </a:ext>
+            </a:extLst>
+          </p:cNvPr>
+          <p:cNvSpPr/>
+          <p:nvPr/>
+        </p:nvSpPr>
+        <p:spPr>
+          <a:xfrm rot="16200000">
+            <a:off x="-2297454" y="3467579"/>
+            <a:ext cx="5578641" cy="465219"/>
+          </a:xfrm>
+          <a:prstGeom prst="roundRect">
+            <a:avLst/>
+          </a:prstGeom>
+          <a:solidFill>
+            <a:schemeClr val="accent2">
+              <a:lumMod val="20000"/>
+              <a:lumOff val="80000"/>
+            </a:schemeClr>
+          </a:solidFill>
+          <a:effectLst>
+            <a:outerShdw blurRad="50800" dist="38100" dir="2700000" algn="tl" rotWithShape="0">
+              <a:prstClr val="black">
+                <a:alpha val="40000"/>
+              </a:prstClr>
+            </a:outerShdw>
+          </a:effectLst>
+        </p:spPr>
+        <p:style>
+          <a:lnRef idx="2">
+            <a:schemeClr val="accent1">
+              <a:shade val="50000"/>
+            </a:schemeClr>
+          </a:lnRef>
+          <a:fillRef idx="1">
+            <a:schemeClr val="accent1"/>
+          </a:fillRef>
+          <a:effectRef idx="0">
+            <a:schemeClr val="accent1"/>
+          </a:effectRef>
+          <a:fontRef idx="minor">
+            <a:schemeClr val="lt1"/>
+          </a:fontRef>
+        </p:style>
+        <p:txBody>
+          <a:bodyPr rtlCol="0" anchor="ctr"/>
+          <a:lstStyle/>
+          <a:p>
+            <a:pPr algn="ctr"/>
+            <a:r>
+              <a:rPr lang="en-US" dirty="0">
+                <a:solidFill>
+                  <a:schemeClr val="tx1"/>
+                </a:solidFill>
+              </a:rPr>
+              <a:t>Security (Credential Management, AAA)</a:t>
+            </a:r>
+          </a:p>
+        </p:txBody>
+      </p:sp>
+      <p:sp>
+        <p:nvSpPr>
+          <p:cNvPr id="16" name="Rounded Rectangle 15">
+            <a:extLst>
+              <a:ext uri="{FF2B5EF4-FFF2-40B4-BE49-F238E27FC236}">
+                <a16:creationId xmlns:a16="http://schemas.microsoft.com/office/drawing/2014/main" id="{270E0614-1F17-BF4E-9764-835DA4CF0E00}"/>
+              </a:ext>
+            </a:extLst>
+          </p:cNvPr>
+          <p:cNvSpPr/>
+          <p:nvPr/>
+        </p:nvSpPr>
+        <p:spPr>
+          <a:xfrm>
+            <a:off x="4531341" y="892558"/>
+            <a:ext cx="2766248" cy="956508"/>
+          </a:xfrm>
+          <a:prstGeom prst="roundRect">
+            <a:avLst/>
+          </a:prstGeom>
+          <a:solidFill>
+            <a:schemeClr val="accent6">
+              <a:lumMod val="20000"/>
+              <a:lumOff val="80000"/>
+            </a:schemeClr>
+          </a:solidFill>
+          <a:effectLst>
+            <a:outerShdw blurRad="50800" dist="38100" dir="2700000" algn="tl" rotWithShape="0">
+              <a:prstClr val="black">
+                <a:alpha val="40000"/>
+              </a:prstClr>
+            </a:outerShdw>
+          </a:effectLst>
+        </p:spPr>
+        <p:style>
+          <a:lnRef idx="2">
+            <a:schemeClr val="accent1">
+              <a:shade val="50000"/>
+            </a:schemeClr>
+          </a:lnRef>
+          <a:fillRef idx="1">
+            <a:schemeClr val="accent1"/>
+          </a:fillRef>
+          <a:effectRef idx="0">
+            <a:schemeClr val="accent1"/>
+          </a:effectRef>
+          <a:fontRef idx="minor">
+            <a:schemeClr val="lt1"/>
+          </a:fontRef>
+        </p:style>
+        <p:txBody>
+          <a:bodyPr rtlCol="0" anchor="ctr"/>
+          <a:lstStyle/>
+          <a:p>
+            <a:pPr algn="ctr"/>
+            <a:r>
+              <a:rPr lang="en-US" dirty="0">
+                <a:solidFill>
+                  <a:schemeClr val="tx1"/>
+                </a:solidFill>
+              </a:rPr>
+              <a:t>REST Service Generation based on Notebooks</a:t>
+            </a:r>
+          </a:p>
+        </p:txBody>
+      </p:sp>
+      <p:sp>
+        <p:nvSpPr>
+          <p:cNvPr id="17" name="Rounded Rectangle 16">
+            <a:extLst>
+              <a:ext uri="{FF2B5EF4-FFF2-40B4-BE49-F238E27FC236}">
+                <a16:creationId xmlns:a16="http://schemas.microsoft.com/office/drawing/2014/main" id="{45AFA3F1-CF46-6F41-BFA2-2662849CF0AC}"/>
+              </a:ext>
+            </a:extLst>
+          </p:cNvPr>
+          <p:cNvSpPr/>
+          <p:nvPr/>
+        </p:nvSpPr>
+        <p:spPr>
+          <a:xfrm>
+            <a:off x="1586249" y="892558"/>
+            <a:ext cx="2816786" cy="956508"/>
+          </a:xfrm>
+          <a:prstGeom prst="roundRect">
+            <a:avLst/>
+          </a:prstGeom>
+          <a:solidFill>
+            <a:schemeClr val="accent6">
+              <a:lumMod val="20000"/>
+              <a:lumOff val="80000"/>
+            </a:schemeClr>
+          </a:solidFill>
+          <a:effectLst>
+            <a:outerShdw blurRad="50800" dist="38100" dir="2700000" algn="tl" rotWithShape="0">
+              <a:prstClr val="black">
+                <a:alpha val="40000"/>
+              </a:prstClr>
+            </a:outerShdw>
+          </a:effectLst>
+        </p:spPr>
+        <p:style>
+          <a:lnRef idx="2">
+            <a:schemeClr val="accent1">
+              <a:shade val="50000"/>
+            </a:schemeClr>
+          </a:lnRef>
+          <a:fillRef idx="1">
+            <a:schemeClr val="accent1"/>
+          </a:fillRef>
+          <a:effectRef idx="0">
+            <a:schemeClr val="accent1"/>
+          </a:effectRef>
+          <a:fontRef idx="minor">
+            <a:schemeClr val="lt1"/>
+          </a:fontRef>
+        </p:style>
+        <p:txBody>
+          <a:bodyPr rtlCol="0" anchor="ctr"/>
+          <a:lstStyle/>
+          <a:p>
+            <a:pPr algn="ctr"/>
+            <a:r>
+              <a:rPr lang="en-US" dirty="0">
+                <a:solidFill>
+                  <a:schemeClr val="tx1"/>
+                </a:solidFill>
+              </a:rPr>
+              <a:t>Model invocation via high level Command line Interfaces</a:t>
+            </a:r>
+          </a:p>
+        </p:txBody>
+      </p:sp>
+      <p:sp>
+        <p:nvSpPr>
+          <p:cNvPr id="18" name="Rounded Rectangle 17">
+            <a:extLst>
+              <a:ext uri="{FF2B5EF4-FFF2-40B4-BE49-F238E27FC236}">
+                <a16:creationId xmlns:a16="http://schemas.microsoft.com/office/drawing/2014/main" id="{03BBD1CB-DB44-AC4D-8CFB-7B8593C5FE3C}"/>
+              </a:ext>
+            </a:extLst>
+          </p:cNvPr>
+          <p:cNvSpPr/>
+          <p:nvPr/>
+        </p:nvSpPr>
+        <p:spPr>
+          <a:xfrm>
+            <a:off x="7438478" y="910868"/>
+            <a:ext cx="2766248" cy="956508"/>
+          </a:xfrm>
+          <a:prstGeom prst="roundRect">
+            <a:avLst/>
+          </a:prstGeom>
+          <a:solidFill>
+            <a:schemeClr val="accent6">
+              <a:lumMod val="20000"/>
+              <a:lumOff val="80000"/>
+            </a:schemeClr>
+          </a:solidFill>
+          <a:effectLst>
+            <a:outerShdw blurRad="50800" dist="38100" dir="2700000" algn="tl" rotWithShape="0">
+              <a:prstClr val="black">
+                <a:alpha val="40000"/>
+              </a:prstClr>
+            </a:outerShdw>
+          </a:effectLst>
+        </p:spPr>
+        <p:style>
+          <a:lnRef idx="2">
+            <a:schemeClr val="accent1">
+              <a:shade val="50000"/>
+            </a:schemeClr>
+          </a:lnRef>
+          <a:fillRef idx="1">
+            <a:schemeClr val="accent1"/>
+          </a:fillRef>
+          <a:effectRef idx="0">
+            <a:schemeClr val="accent1"/>
+          </a:effectRef>
+          <a:fontRef idx="minor">
+            <a:schemeClr val="lt1"/>
+          </a:fontRef>
+        </p:style>
+        <p:txBody>
+          <a:bodyPr rtlCol="0" anchor="ctr"/>
+          <a:lstStyle/>
+          <a:p>
+            <a:pPr algn="ctr"/>
+            <a:r>
+              <a:rPr lang="en-US" dirty="0">
+                <a:solidFill>
+                  <a:schemeClr val="tx1"/>
+                </a:solidFill>
+              </a:rPr>
+              <a:t>Earthquake Development </a:t>
+            </a:r>
+          </a:p>
+          <a:p>
+            <a:pPr algn="ctr"/>
+            <a:r>
+              <a:rPr lang="en-US" dirty="0">
+                <a:solidFill>
+                  <a:schemeClr val="tx1"/>
+                </a:solidFill>
+              </a:rPr>
+              <a:t>Notebooks</a:t>
+            </a:r>
+          </a:p>
+        </p:txBody>
+      </p:sp>
+      <p:sp>
+        <p:nvSpPr>
+          <p:cNvPr id="10" name="TextBox 9">
+            <a:extLst>
+              <a:ext uri="{FF2B5EF4-FFF2-40B4-BE49-F238E27FC236}">
+                <a16:creationId xmlns:a16="http://schemas.microsoft.com/office/drawing/2014/main" id="{B7E97816-B6F9-D147-BDAB-57BFFCEB54D1}"/>
+              </a:ext>
+            </a:extLst>
+          </p:cNvPr>
+          <p:cNvSpPr txBox="1"/>
+          <p:nvPr/>
+        </p:nvSpPr>
+        <p:spPr>
+          <a:xfrm>
+            <a:off x="10870238" y="1478735"/>
+            <a:ext cx="1074846" cy="646331"/>
+          </a:xfrm>
+          <a:prstGeom prst="rect">
+            <a:avLst/>
+          </a:prstGeom>
+          <a:noFill/>
+        </p:spPr>
+        <p:txBody>
+          <a:bodyPr wrap="none" rtlCol="0">
+            <a:spAutoFit/>
+          </a:bodyPr>
+          <a:lstStyle/>
+          <a:p>
+            <a:r>
+              <a:rPr lang="en-US" dirty="0"/>
+              <a:t>Interface </a:t>
+            </a:r>
+          </a:p>
+          <a:p>
+            <a:pPr algn="ctr"/>
+            <a:r>
+              <a:rPr lang="en-US" dirty="0"/>
+              <a:t>Layer</a:t>
+            </a:r>
+          </a:p>
+        </p:txBody>
+      </p:sp>
+      <p:sp>
+        <p:nvSpPr>
+          <p:cNvPr id="20" name="TextBox 19">
+            <a:extLst>
+              <a:ext uri="{FF2B5EF4-FFF2-40B4-BE49-F238E27FC236}">
+                <a16:creationId xmlns:a16="http://schemas.microsoft.com/office/drawing/2014/main" id="{D3E341F9-552E-9548-A998-0D43B96B7F98}"/>
+              </a:ext>
+            </a:extLst>
+          </p:cNvPr>
+          <p:cNvSpPr txBox="1"/>
+          <p:nvPr/>
+        </p:nvSpPr>
+        <p:spPr>
+          <a:xfrm>
+            <a:off x="10813863" y="3360675"/>
+            <a:ext cx="911340" cy="646331"/>
+          </a:xfrm>
+          <a:prstGeom prst="rect">
+            <a:avLst/>
+          </a:prstGeom>
+          <a:noFill/>
+        </p:spPr>
+        <p:txBody>
+          <a:bodyPr wrap="none" rtlCol="0">
+            <a:spAutoFit/>
+          </a:bodyPr>
+          <a:lstStyle/>
+          <a:p>
+            <a:r>
+              <a:rPr lang="en-US" dirty="0"/>
+              <a:t>Service </a:t>
+            </a:r>
+          </a:p>
+          <a:p>
+            <a:pPr algn="ctr"/>
+            <a:r>
+              <a:rPr lang="en-US" dirty="0"/>
+              <a:t>Layer</a:t>
+            </a:r>
+          </a:p>
+        </p:txBody>
+      </p:sp>
+      <p:sp>
+        <p:nvSpPr>
+          <p:cNvPr id="21" name="TextBox 20">
+            <a:extLst>
+              <a:ext uri="{FF2B5EF4-FFF2-40B4-BE49-F238E27FC236}">
+                <a16:creationId xmlns:a16="http://schemas.microsoft.com/office/drawing/2014/main" id="{E8FB7CBE-9291-D747-B999-BBEF0E9ADC27}"/>
+              </a:ext>
+            </a:extLst>
+          </p:cNvPr>
+          <p:cNvSpPr txBox="1"/>
+          <p:nvPr/>
+        </p:nvSpPr>
+        <p:spPr>
+          <a:xfrm>
+            <a:off x="10853331" y="5476229"/>
+            <a:ext cx="975011" cy="646331"/>
+          </a:xfrm>
+          <a:prstGeom prst="rect">
+            <a:avLst/>
+          </a:prstGeom>
+          <a:noFill/>
+        </p:spPr>
+        <p:txBody>
+          <a:bodyPr wrap="none" rtlCol="0">
+            <a:spAutoFit/>
+          </a:bodyPr>
+          <a:lstStyle/>
+          <a:p>
+            <a:r>
+              <a:rPr lang="en-US" dirty="0"/>
+              <a:t>Provider</a:t>
+            </a:r>
+          </a:p>
+          <a:p>
+            <a:pPr algn="ctr"/>
+            <a:r>
+              <a:rPr lang="en-US" dirty="0"/>
+              <a:t>Layer</a:t>
+            </a:r>
+          </a:p>
+        </p:txBody>
+      </p:sp>
+      <p:sp>
+        <p:nvSpPr>
+          <p:cNvPr id="22" name="Rounded Rectangle 21">
+            <a:extLst>
+              <a:ext uri="{FF2B5EF4-FFF2-40B4-BE49-F238E27FC236}">
+                <a16:creationId xmlns:a16="http://schemas.microsoft.com/office/drawing/2014/main" id="{EBB83171-FC71-E740-A6DB-645FF5B9C0BF}"/>
+              </a:ext>
+            </a:extLst>
+          </p:cNvPr>
+          <p:cNvSpPr/>
+          <p:nvPr/>
+        </p:nvSpPr>
+        <p:spPr>
+          <a:xfrm>
+            <a:off x="6856027" y="2947910"/>
+            <a:ext cx="1592250" cy="956508"/>
+          </a:xfrm>
+          <a:prstGeom prst="roundRect">
+            <a:avLst/>
+          </a:prstGeom>
+          <a:solidFill>
+            <a:schemeClr val="accent3">
+              <a:lumMod val="20000"/>
+              <a:lumOff val="80000"/>
+            </a:schemeClr>
+          </a:solidFill>
+          <a:effectLst>
+            <a:outerShdw blurRad="50800" dist="38100" dir="2700000" algn="tl" rotWithShape="0">
+              <a:prstClr val="black">
+                <a:alpha val="40000"/>
+              </a:prstClr>
+            </a:outerShdw>
+          </a:effectLst>
+        </p:spPr>
+        <p:style>
+          <a:lnRef idx="2">
+            <a:schemeClr val="accent1">
+              <a:shade val="50000"/>
+            </a:schemeClr>
+          </a:lnRef>
+          <a:fillRef idx="1">
+            <a:schemeClr val="accent1"/>
+          </a:fillRef>
+          <a:effectRef idx="0">
+            <a:schemeClr val="accent1"/>
+          </a:effectRef>
+          <a:fontRef idx="minor">
+            <a:schemeClr val="lt1"/>
+          </a:fontRef>
+        </p:style>
+        <p:txBody>
+          <a:bodyPr rtlCol="0" anchor="ctr"/>
+          <a:lstStyle/>
+          <a:p>
+            <a:pPr algn="ctr"/>
+            <a:r>
+              <a:rPr lang="en-US" dirty="0">
+                <a:solidFill>
+                  <a:schemeClr val="tx1"/>
+                </a:solidFill>
+              </a:rPr>
+              <a:t>Various</a:t>
+            </a:r>
+          </a:p>
+          <a:p>
+            <a:pPr algn="ctr"/>
+            <a:r>
+              <a:rPr lang="en-US" dirty="0">
+                <a:solidFill>
+                  <a:schemeClr val="tx1"/>
+                </a:solidFill>
+              </a:rPr>
+              <a:t>Analytics</a:t>
+            </a:r>
+          </a:p>
+          <a:p>
+            <a:pPr algn="ctr"/>
+            <a:r>
+              <a:rPr lang="en-US" dirty="0">
+                <a:solidFill>
+                  <a:schemeClr val="tx1"/>
+                </a:solidFill>
+              </a:rPr>
+              <a:t>Services</a:t>
+            </a:r>
+          </a:p>
+        </p:txBody>
+      </p:sp>
+      <p:sp>
+        <p:nvSpPr>
+          <p:cNvPr id="23" name="Rounded Rectangle 22">
+            <a:extLst>
+              <a:ext uri="{FF2B5EF4-FFF2-40B4-BE49-F238E27FC236}">
+                <a16:creationId xmlns:a16="http://schemas.microsoft.com/office/drawing/2014/main" id="{8498763F-4189-9344-90A6-885FE2E0D716}"/>
+              </a:ext>
+            </a:extLst>
+          </p:cNvPr>
+          <p:cNvSpPr/>
+          <p:nvPr/>
+        </p:nvSpPr>
+        <p:spPr>
+          <a:xfrm>
+            <a:off x="8612620" y="2957941"/>
+            <a:ext cx="1592250" cy="956508"/>
+          </a:xfrm>
+          <a:prstGeom prst="roundRect">
+            <a:avLst/>
+          </a:prstGeom>
+          <a:solidFill>
+            <a:schemeClr val="accent3">
+              <a:lumMod val="20000"/>
+              <a:lumOff val="80000"/>
+            </a:schemeClr>
+          </a:solidFill>
+          <a:effectLst>
+            <a:outerShdw blurRad="50800" dist="38100" dir="2700000" algn="tl" rotWithShape="0">
+              <a:prstClr val="black">
+                <a:alpha val="40000"/>
+              </a:prstClr>
+            </a:outerShdw>
+          </a:effectLst>
+        </p:spPr>
+        <p:style>
+          <a:lnRef idx="2">
+            <a:schemeClr val="accent1">
+              <a:shade val="50000"/>
+            </a:schemeClr>
+          </a:lnRef>
+          <a:fillRef idx="1">
+            <a:schemeClr val="accent1"/>
+          </a:fillRef>
+          <a:effectRef idx="0">
+            <a:schemeClr val="accent1"/>
+          </a:effectRef>
+          <a:fontRef idx="minor">
+            <a:schemeClr val="lt1"/>
+          </a:fontRef>
+        </p:style>
+        <p:txBody>
+          <a:bodyPr rtlCol="0" anchor="ctr"/>
+          <a:lstStyle/>
+          <a:p>
+            <a:pPr algn="ctr"/>
+            <a:r>
+              <a:rPr lang="en-US" dirty="0">
+                <a:solidFill>
+                  <a:schemeClr val="tx1"/>
+                </a:solidFill>
+              </a:rPr>
+              <a:t>Earthquake Specific</a:t>
+            </a:r>
+          </a:p>
+          <a:p>
+            <a:pPr algn="ctr"/>
+            <a:r>
+              <a:rPr lang="en-US" dirty="0">
+                <a:solidFill>
+                  <a:schemeClr val="tx1"/>
+                </a:solidFill>
+              </a:rPr>
+              <a:t>Services</a:t>
+            </a:r>
+          </a:p>
+        </p:txBody>
+      </p:sp>
+      <p:sp>
+        <p:nvSpPr>
+          <p:cNvPr id="24" name="Right Brace 23">
+            <a:extLst>
+              <a:ext uri="{FF2B5EF4-FFF2-40B4-BE49-F238E27FC236}">
+                <a16:creationId xmlns:a16="http://schemas.microsoft.com/office/drawing/2014/main" id="{26BA7023-BED2-6945-BAE9-2D0CE1F64761}"/>
+              </a:ext>
+            </a:extLst>
+          </p:cNvPr>
+          <p:cNvSpPr/>
+          <p:nvPr/>
+        </p:nvSpPr>
+        <p:spPr>
+          <a:xfrm>
+            <a:off x="10436087" y="902544"/>
+            <a:ext cx="319755" cy="1798715"/>
+          </a:xfrm>
+          <a:prstGeom prst="rightBrace">
+            <a:avLst/>
+          </a:prstGeom>
+        </p:spPr>
+        <p:style>
+          <a:lnRef idx="1">
+            <a:schemeClr val="accent1"/>
+          </a:lnRef>
+          <a:fillRef idx="0">
+            <a:schemeClr val="accent1"/>
+          </a:fillRef>
+          <a:effectRef idx="0">
+            <a:schemeClr val="accent1"/>
+          </a:effectRef>
+          <a:fontRef idx="minor">
+            <a:schemeClr val="tx1"/>
+          </a:fontRef>
+        </p:style>
+        <p:txBody>
+          <a:bodyPr rtlCol="0" anchor="ctr"/>
+          <a:lstStyle/>
+          <a:p>
+            <a:pPr algn="ctr"/>
+            <a:endParaRPr lang="en-US"/>
+          </a:p>
+        </p:txBody>
+      </p:sp>
+      <p:sp>
+        <p:nvSpPr>
+          <p:cNvPr id="25" name="Right Brace 24">
+            <a:extLst>
+              <a:ext uri="{FF2B5EF4-FFF2-40B4-BE49-F238E27FC236}">
+                <a16:creationId xmlns:a16="http://schemas.microsoft.com/office/drawing/2014/main" id="{2792EEC6-70EB-FC4A-AD07-844B251D6E0B}"/>
+              </a:ext>
+            </a:extLst>
+          </p:cNvPr>
+          <p:cNvSpPr/>
+          <p:nvPr/>
+        </p:nvSpPr>
+        <p:spPr>
+          <a:xfrm>
+            <a:off x="10512988" y="2940392"/>
+            <a:ext cx="319755" cy="1798715"/>
+          </a:xfrm>
+          <a:prstGeom prst="rightBrace">
+            <a:avLst/>
+          </a:prstGeom>
+        </p:spPr>
+        <p:style>
+          <a:lnRef idx="1">
+            <a:schemeClr val="accent1"/>
+          </a:lnRef>
+          <a:fillRef idx="0">
+            <a:schemeClr val="accent1"/>
+          </a:fillRef>
+          <a:effectRef idx="0">
+            <a:schemeClr val="accent1"/>
+          </a:effectRef>
+          <a:fontRef idx="minor">
+            <a:schemeClr val="tx1"/>
+          </a:fontRef>
+        </p:style>
+        <p:txBody>
+          <a:bodyPr rtlCol="0" anchor="ctr"/>
+          <a:lstStyle/>
+          <a:p>
+            <a:pPr algn="ctr"/>
+            <a:endParaRPr lang="en-US"/>
+          </a:p>
+        </p:txBody>
+      </p:sp>
+      <p:sp>
+        <p:nvSpPr>
+          <p:cNvPr id="26" name="Right Brace 25">
+            <a:extLst>
+              <a:ext uri="{FF2B5EF4-FFF2-40B4-BE49-F238E27FC236}">
+                <a16:creationId xmlns:a16="http://schemas.microsoft.com/office/drawing/2014/main" id="{8B5B5294-FEFD-3F4F-B25A-B7DB7404BCBB}"/>
+              </a:ext>
+            </a:extLst>
+          </p:cNvPr>
+          <p:cNvSpPr/>
+          <p:nvPr/>
+        </p:nvSpPr>
+        <p:spPr>
+          <a:xfrm>
+            <a:off x="10517484" y="5109583"/>
+            <a:ext cx="315260" cy="1470248"/>
+          </a:xfrm>
+          <a:prstGeom prst="rightBrace">
+            <a:avLst/>
+          </a:prstGeom>
+        </p:spPr>
+        <p:style>
+          <a:lnRef idx="1">
+            <a:schemeClr val="accent1"/>
+          </a:lnRef>
+          <a:fillRef idx="0">
+            <a:schemeClr val="accent1"/>
+          </a:fillRef>
+          <a:effectRef idx="0">
+            <a:schemeClr val="accent1"/>
+          </a:effectRef>
+          <a:fontRef idx="minor">
+            <a:schemeClr val="tx1"/>
+          </a:fontRef>
+        </p:style>
+        <p:txBody>
+          <a:bodyPr rtlCol="0" anchor="ctr"/>
+          <a:lstStyle/>
+          <a:p>
+            <a:pPr algn="ctr"/>
+            <a:endParaRPr lang="en-US"/>
+          </a:p>
+        </p:txBody>
+      </p:sp>
+    </p:spTree>
+    <p:extLst>
+      <p:ext uri="{BB962C8B-B14F-4D97-AF65-F5344CB8AC3E}">
+        <p14:creationId xmlns:p14="http://schemas.microsoft.com/office/powerpoint/2010/main" val="3815966871"/>
+      </p:ext>
+    </p:extLst>
+  </p:cSld>
+  <p:clrMapOvr>
+    <a:masterClrMapping/>
+  </p:clrMapOvr>
+</p:sld>
+</file>
+
 <file path=ppt/theme/theme1.xml><?xml version="1.0" encoding="utf-8"?>
 <a:theme xmlns:a="http://schemas.openxmlformats.org/drawingml/2006/main" name="Office Theme">
   <a:themeElements>
